--- a/prezPort.pptx
+++ b/prezPort.pptx
@@ -6,34 +6,33 @@
   </p:sldMasterIdLst>
   <p:sldIdLst>
     <p:sldId id="256" r:id="rId2"/>
-    <p:sldId id="257" r:id="rId3"/>
   </p:sldIdLst>
   <p:sldSz cx="12192000" cy="6858000"/>
   <p:notesSz cx="6858000" cy="9144000"/>
   <p:embeddedFontLst>
     <p:embeddedFont>
       <p:font typeface="Calibri" panose="020F0502020204030204" pitchFamily="34" charset="0"/>
-      <p:regular r:id="rId4"/>
-      <p:bold r:id="rId5"/>
-      <p:italic r:id="rId6"/>
-      <p:boldItalic r:id="rId7"/>
+      <p:regular r:id="rId3"/>
+      <p:bold r:id="rId4"/>
+      <p:italic r:id="rId5"/>
+      <p:boldItalic r:id="rId6"/>
     </p:embeddedFont>
     <p:embeddedFont>
       <p:font typeface="Calibri Light" panose="020F0302020204030204" pitchFamily="34" charset="0"/>
-      <p:regular r:id="rId8"/>
-      <p:italic r:id="rId9"/>
+      <p:regular r:id="rId7"/>
+      <p:italic r:id="rId8"/>
     </p:embeddedFont>
     <p:embeddedFont>
       <p:font typeface="IBM Plex Sans" panose="020B0503050203000203" pitchFamily="34" charset="0"/>
-      <p:regular r:id="rId10"/>
-      <p:bold r:id="rId11"/>
-      <p:italic r:id="rId12"/>
-      <p:boldItalic r:id="rId13"/>
+      <p:regular r:id="rId9"/>
+      <p:bold r:id="rId10"/>
+      <p:italic r:id="rId11"/>
+      <p:boldItalic r:id="rId12"/>
     </p:embeddedFont>
     <p:embeddedFont>
       <p:font typeface="IBM Plex Sans SemiBold" panose="020B0703050203000203" pitchFamily="34" charset="0"/>
-      <p:bold r:id="rId14"/>
-      <p:boldItalic r:id="rId15"/>
+      <p:bold r:id="rId13"/>
+      <p:boldItalic r:id="rId14"/>
     </p:embeddedFont>
   </p:embeddedFontLst>
   <p:defaultTextStyle>
@@ -4064,734 +4063,6 @@
 </p:sld>
 </file>
 
-<file path=ppt/slides/slide2.xml><?xml version="1.0" encoding="utf-8"?>
-<p:sld xmlns:a="http://schemas.openxmlformats.org/drawingml/2006/main" xmlns:r="http://schemas.openxmlformats.org/officeDocument/2006/relationships" xmlns:p="http://schemas.openxmlformats.org/presentationml/2006/main">
-  <p:cSld>
-    <p:bg>
-      <p:bgPr>
-        <a:solidFill>
-          <a:srgbClr val="280003"/>
-        </a:solidFill>
-        <a:effectLst/>
-      </p:bgPr>
-    </p:bg>
-    <p:spTree>
-      <p:nvGrpSpPr>
-        <p:cNvPr id="1" name=""/>
-        <p:cNvGrpSpPr/>
-        <p:nvPr/>
-      </p:nvGrpSpPr>
-      <p:grpSpPr>
-        <a:xfrm>
-          <a:off x="0" y="0"/>
-          <a:ext cx="0" cy="0"/>
-          <a:chOff x="0" y="0"/>
-          <a:chExt cx="0" cy="0"/>
-        </a:xfrm>
-      </p:grpSpPr>
-      <p:pic>
-        <p:nvPicPr>
-          <p:cNvPr id="5" name="Graphic 4">
-            <a:extLst>
-              <a:ext uri="{FF2B5EF4-FFF2-40B4-BE49-F238E27FC236}">
-                <a16:creationId xmlns:a16="http://schemas.microsoft.com/office/drawing/2014/main" id="{1847397A-E317-E7BC-DBC1-C20EB4474C07}"/>
-              </a:ext>
-            </a:extLst>
-          </p:cNvPr>
-          <p:cNvPicPr>
-            <a:picLocks noChangeAspect="1"/>
-          </p:cNvPicPr>
-          <p:nvPr/>
-        </p:nvPicPr>
-        <p:blipFill>
-          <a:blip r:embed="rId2">
-            <a:extLst>
-              <a:ext uri="{28A0092B-C50C-407E-A947-70E740481C1C}">
-                <a14:useLocalDpi xmlns:a14="http://schemas.microsoft.com/office/drawing/2010/main" val="0"/>
-              </a:ext>
-              <a:ext uri="{96DAC541-7B7A-43D3-8B79-37D633B846F1}">
-                <asvg:svgBlip xmlns:asvg="http://schemas.microsoft.com/office/drawing/2016/SVG/main" r:embed="rId3"/>
-              </a:ext>
-            </a:extLst>
-          </a:blip>
-          <a:stretch>
-            <a:fillRect/>
-          </a:stretch>
-        </p:blipFill>
-        <p:spPr>
-          <a:xfrm>
-            <a:off x="5191836" y="4043641"/>
-            <a:ext cx="1316238" cy="609626"/>
-          </a:xfrm>
-          <a:prstGeom prst="rect">
-            <a:avLst/>
-          </a:prstGeom>
-        </p:spPr>
-      </p:pic>
-      <p:grpSp>
-        <p:nvGrpSpPr>
-          <p:cNvPr id="24" name="Group 23">
-            <a:extLst>
-              <a:ext uri="{FF2B5EF4-FFF2-40B4-BE49-F238E27FC236}">
-                <a16:creationId xmlns:a16="http://schemas.microsoft.com/office/drawing/2014/main" id="{2523A621-2FC0-3027-A052-8D0DAB5B3C8B}"/>
-              </a:ext>
-            </a:extLst>
-          </p:cNvPr>
-          <p:cNvGrpSpPr/>
-          <p:nvPr/>
-        </p:nvGrpSpPr>
-        <p:grpSpPr>
-          <a:xfrm>
-            <a:off x="720794" y="662440"/>
-            <a:ext cx="10785230" cy="5451230"/>
-            <a:chOff x="703384" y="703385"/>
-            <a:chExt cx="10785230" cy="5451230"/>
-          </a:xfrm>
-        </p:grpSpPr>
-        <p:cxnSp>
-          <p:nvCxnSpPr>
-            <p:cNvPr id="13" name="Straight Connector 12">
-              <a:extLst>
-                <a:ext uri="{FF2B5EF4-FFF2-40B4-BE49-F238E27FC236}">
-                  <a16:creationId xmlns:a16="http://schemas.microsoft.com/office/drawing/2014/main" id="{84071FB4-0B1C-DAA2-19A6-C25D1EDBA441}"/>
-                </a:ext>
-              </a:extLst>
-            </p:cNvPr>
-            <p:cNvCxnSpPr>
-              <a:cxnSpLocks/>
-            </p:cNvCxnSpPr>
-            <p:nvPr/>
-          </p:nvCxnSpPr>
-          <p:spPr>
-            <a:xfrm>
-              <a:off x="703384" y="703385"/>
-              <a:ext cx="0" cy="5451230"/>
-            </a:xfrm>
-            <a:prstGeom prst="line">
-              <a:avLst/>
-            </a:prstGeom>
-            <a:ln>
-              <a:noFill/>
-            </a:ln>
-          </p:spPr>
-          <p:style>
-            <a:lnRef idx="1">
-              <a:schemeClr val="accent1"/>
-            </a:lnRef>
-            <a:fillRef idx="0">
-              <a:schemeClr val="accent1"/>
-            </a:fillRef>
-            <a:effectRef idx="0">
-              <a:schemeClr val="accent1"/>
-            </a:effectRef>
-            <a:fontRef idx="minor">
-              <a:schemeClr val="tx1"/>
-            </a:fontRef>
-          </p:style>
-        </p:cxnSp>
-        <p:cxnSp>
-          <p:nvCxnSpPr>
-            <p:cNvPr id="15" name="Straight Connector 14">
-              <a:extLst>
-                <a:ext uri="{FF2B5EF4-FFF2-40B4-BE49-F238E27FC236}">
-                  <a16:creationId xmlns:a16="http://schemas.microsoft.com/office/drawing/2014/main" id="{CC4ECEE5-CAED-A3BF-F75E-B118C44BED6F}"/>
-                </a:ext>
-              </a:extLst>
-            </p:cNvPr>
-            <p:cNvCxnSpPr>
-              <a:cxnSpLocks/>
-            </p:cNvCxnSpPr>
-            <p:nvPr/>
-          </p:nvCxnSpPr>
-          <p:spPr>
-            <a:xfrm>
-              <a:off x="703384" y="703385"/>
-              <a:ext cx="10785230" cy="0"/>
-            </a:xfrm>
-            <a:prstGeom prst="line">
-              <a:avLst/>
-            </a:prstGeom>
-            <a:ln>
-              <a:noFill/>
-            </a:ln>
-          </p:spPr>
-          <p:style>
-            <a:lnRef idx="1">
-              <a:schemeClr val="accent1"/>
-            </a:lnRef>
-            <a:fillRef idx="0">
-              <a:schemeClr val="accent1"/>
-            </a:fillRef>
-            <a:effectRef idx="0">
-              <a:schemeClr val="accent1"/>
-            </a:effectRef>
-            <a:fontRef idx="minor">
-              <a:schemeClr val="tx1"/>
-            </a:fontRef>
-          </p:style>
-        </p:cxnSp>
-        <p:cxnSp>
-          <p:nvCxnSpPr>
-            <p:cNvPr id="17" name="Straight Connector 16">
-              <a:extLst>
-                <a:ext uri="{FF2B5EF4-FFF2-40B4-BE49-F238E27FC236}">
-                  <a16:creationId xmlns:a16="http://schemas.microsoft.com/office/drawing/2014/main" id="{7BE62702-0A3F-AFBB-7EFE-783DA7993CD6}"/>
-                </a:ext>
-              </a:extLst>
-            </p:cNvPr>
-            <p:cNvCxnSpPr>
-              <a:cxnSpLocks/>
-            </p:cNvCxnSpPr>
-            <p:nvPr/>
-          </p:nvCxnSpPr>
-          <p:spPr>
-            <a:xfrm>
-              <a:off x="703384" y="6154615"/>
-              <a:ext cx="10785230" cy="0"/>
-            </a:xfrm>
-            <a:prstGeom prst="line">
-              <a:avLst/>
-            </a:prstGeom>
-            <a:ln>
-              <a:noFill/>
-            </a:ln>
-          </p:spPr>
-          <p:style>
-            <a:lnRef idx="1">
-              <a:schemeClr val="accent1"/>
-            </a:lnRef>
-            <a:fillRef idx="0">
-              <a:schemeClr val="accent1"/>
-            </a:fillRef>
-            <a:effectRef idx="0">
-              <a:schemeClr val="accent1"/>
-            </a:effectRef>
-            <a:fontRef idx="minor">
-              <a:schemeClr val="tx1"/>
-            </a:fontRef>
-          </p:style>
-        </p:cxnSp>
-        <p:cxnSp>
-          <p:nvCxnSpPr>
-            <p:cNvPr id="23" name="Straight Connector 22">
-              <a:extLst>
-                <a:ext uri="{FF2B5EF4-FFF2-40B4-BE49-F238E27FC236}">
-                  <a16:creationId xmlns:a16="http://schemas.microsoft.com/office/drawing/2014/main" id="{F1EB3763-D13B-043B-B12F-7782603B8249}"/>
-                </a:ext>
-              </a:extLst>
-            </p:cNvPr>
-            <p:cNvCxnSpPr/>
-            <p:nvPr/>
-          </p:nvCxnSpPr>
-          <p:spPr>
-            <a:xfrm>
-              <a:off x="11488614" y="703385"/>
-              <a:ext cx="0" cy="5451230"/>
-            </a:xfrm>
-            <a:prstGeom prst="line">
-              <a:avLst/>
-            </a:prstGeom>
-            <a:ln>
-              <a:noFill/>
-            </a:ln>
-          </p:spPr>
-          <p:style>
-            <a:lnRef idx="1">
-              <a:schemeClr val="accent1"/>
-            </a:lnRef>
-            <a:fillRef idx="0">
-              <a:schemeClr val="accent1"/>
-            </a:fillRef>
-            <a:effectRef idx="0">
-              <a:schemeClr val="accent1"/>
-            </a:effectRef>
-            <a:fontRef idx="minor">
-              <a:schemeClr val="tx1"/>
-            </a:fontRef>
-          </p:style>
-        </p:cxnSp>
-      </p:grpSp>
-      <p:sp>
-        <p:nvSpPr>
-          <p:cNvPr id="26" name="TextBox 25">
-            <a:extLst>
-              <a:ext uri="{FF2B5EF4-FFF2-40B4-BE49-F238E27FC236}">
-                <a16:creationId xmlns:a16="http://schemas.microsoft.com/office/drawing/2014/main" id="{9017CF8B-464C-BA40-6439-12AC560D1E05}"/>
-              </a:ext>
-            </a:extLst>
-          </p:cNvPr>
-          <p:cNvSpPr txBox="1"/>
-          <p:nvPr/>
-        </p:nvSpPr>
-        <p:spPr>
-          <a:xfrm>
-            <a:off x="1970325" y="1061799"/>
-            <a:ext cx="4539175" cy="2787751"/>
-          </a:xfrm>
-          <a:prstGeom prst="rect">
-            <a:avLst/>
-          </a:prstGeom>
-          <a:noFill/>
-        </p:spPr>
-        <p:txBody>
-          <a:bodyPr wrap="square" rtlCol="0">
-            <a:spAutoFit/>
-          </a:bodyPr>
-          <a:lstStyle/>
-          <a:p>
-            <a:pPr algn="r">
-              <a:lnSpc>
-                <a:spcPct val="125000"/>
-              </a:lnSpc>
-            </a:pPr>
-            <a:r>
-              <a:rPr lang="en-US" sz="4800" dirty="0">
-                <a:solidFill>
-                  <a:srgbClr val="EE6055"/>
-                </a:solidFill>
-                <a:latin typeface="IBM Plex Sans SemiBold" panose="020B0703050203000203" pitchFamily="34" charset="0"/>
-              </a:rPr>
-              <a:t> </a:t>
-            </a:r>
-            <a:r>
-              <a:rPr lang="sr-Cyrl-RS" sz="4800" dirty="0">
-                <a:solidFill>
-                  <a:srgbClr val="EE6055"/>
-                </a:solidFill>
-                <a:latin typeface="IBM Plex Sans SemiBold" panose="020B0703050203000203" pitchFamily="34" charset="0"/>
-              </a:rPr>
-              <a:t>СТРУЧНА ПРАКСА</a:t>
-            </a:r>
-            <a:endParaRPr lang="sr-Latn-RS" sz="4800" dirty="0">
-              <a:solidFill>
-                <a:srgbClr val="EE6055"/>
-              </a:solidFill>
-              <a:latin typeface="IBM Plex Sans SemiBold" panose="020B0703050203000203" pitchFamily="34" charset="0"/>
-            </a:endParaRPr>
-          </a:p>
-          <a:p>
-            <a:pPr algn="r">
-              <a:lnSpc>
-                <a:spcPct val="125000"/>
-              </a:lnSpc>
-            </a:pPr>
-            <a:r>
-              <a:rPr lang="en-US" sz="4800" dirty="0">
-                <a:solidFill>
-                  <a:srgbClr val="8BB174"/>
-                </a:solidFill>
-                <a:latin typeface="IBM Plex Sans SemiBold" panose="020B0703050203000203" pitchFamily="34" charset="0"/>
-              </a:rPr>
-              <a:t>ERASMUS+</a:t>
-            </a:r>
-          </a:p>
-        </p:txBody>
-      </p:sp>
-      <p:sp>
-        <p:nvSpPr>
-          <p:cNvPr id="31" name="TextBox 30">
-            <a:extLst>
-              <a:ext uri="{FF2B5EF4-FFF2-40B4-BE49-F238E27FC236}">
-                <a16:creationId xmlns:a16="http://schemas.microsoft.com/office/drawing/2014/main" id="{92BB1257-5B62-C4CC-CA8E-FB074F8F2A67}"/>
-              </a:ext>
-            </a:extLst>
-          </p:cNvPr>
-          <p:cNvSpPr txBox="1"/>
-          <p:nvPr/>
-        </p:nvSpPr>
-        <p:spPr>
-          <a:xfrm>
-            <a:off x="3601509" y="4847359"/>
-            <a:ext cx="2906565" cy="738664"/>
-          </a:xfrm>
-          <a:prstGeom prst="rect">
-            <a:avLst/>
-          </a:prstGeom>
-          <a:noFill/>
-        </p:spPr>
-        <p:txBody>
-          <a:bodyPr wrap="none" rtlCol="0">
-            <a:spAutoFit/>
-          </a:bodyPr>
-          <a:lstStyle/>
-          <a:p>
-            <a:pPr algn="r"/>
-            <a:r>
-              <a:rPr lang="sr-Cyrl-RS" sz="2400" b="1" dirty="0">
-                <a:solidFill>
-                  <a:srgbClr val="EE6055"/>
-                </a:solidFill>
-                <a:latin typeface="IBM Plex Sans" panose="020B0503050203000203" pitchFamily="34" charset="0"/>
-              </a:rPr>
-              <a:t>ПОРТУГАЛИЈА</a:t>
-            </a:r>
-          </a:p>
-          <a:p>
-            <a:pPr algn="r"/>
-            <a:r>
-              <a:rPr lang="en-US" dirty="0">
-                <a:solidFill>
-                  <a:srgbClr val="EE6055"/>
-                </a:solidFill>
-                <a:latin typeface="IBM Plex Sans SemiBold" panose="020B0703050203000203" pitchFamily="34" charset="0"/>
-              </a:rPr>
-              <a:t>4 – 18. </a:t>
-            </a:r>
-            <a:r>
-              <a:rPr lang="sr-Cyrl-RS" dirty="0">
-                <a:solidFill>
-                  <a:srgbClr val="EE6055"/>
-                </a:solidFill>
-                <a:latin typeface="IBM Plex Sans SemiBold" panose="020B0703050203000203" pitchFamily="34" charset="0"/>
-              </a:rPr>
-              <a:t>НОВЕМБРА 2024.</a:t>
-            </a:r>
-            <a:endParaRPr lang="sr-Latn-RS" dirty="0">
-              <a:solidFill>
-                <a:srgbClr val="EE6055"/>
-              </a:solidFill>
-              <a:latin typeface="IBM Plex Sans SemiBold" panose="020B0703050203000203" pitchFamily="34" charset="0"/>
-            </a:endParaRPr>
-          </a:p>
-        </p:txBody>
-      </p:sp>
-      <p:grpSp>
-        <p:nvGrpSpPr>
-          <p:cNvPr id="33" name="Group 32">
-            <a:extLst>
-              <a:ext uri="{FF2B5EF4-FFF2-40B4-BE49-F238E27FC236}">
-                <a16:creationId xmlns:a16="http://schemas.microsoft.com/office/drawing/2014/main" id="{D1E5BFD1-AC16-FB0B-829C-D7C32094992D}"/>
-              </a:ext>
-            </a:extLst>
-          </p:cNvPr>
-          <p:cNvGrpSpPr/>
-          <p:nvPr/>
-        </p:nvGrpSpPr>
-        <p:grpSpPr>
-          <a:xfrm>
-            <a:off x="6522303" y="662440"/>
-            <a:ext cx="4980609" cy="5352738"/>
-            <a:chOff x="6543067" y="756048"/>
-            <a:chExt cx="4980609" cy="5352738"/>
-          </a:xfrm>
-        </p:grpSpPr>
-        <p:sp>
-          <p:nvSpPr>
-            <p:cNvPr id="25" name="TextBox 24">
-              <a:extLst>
-                <a:ext uri="{FF2B5EF4-FFF2-40B4-BE49-F238E27FC236}">
-                  <a16:creationId xmlns:a16="http://schemas.microsoft.com/office/drawing/2014/main" id="{D79C96B8-9BC0-4CC3-E243-720019E26806}"/>
-                </a:ext>
-              </a:extLst>
-            </p:cNvPr>
-            <p:cNvSpPr txBox="1"/>
-            <p:nvPr/>
-          </p:nvSpPr>
-          <p:spPr>
-            <a:xfrm>
-              <a:off x="7508655" y="756048"/>
-              <a:ext cx="1118255" cy="5345886"/>
-            </a:xfrm>
-            <a:prstGeom prst="rect">
-              <a:avLst/>
-            </a:prstGeom>
-            <a:noFill/>
-          </p:spPr>
-          <p:txBody>
-            <a:bodyPr vert="wordArtVert" wrap="square" rtlCol="0">
-              <a:spAutoFit/>
-            </a:bodyPr>
-            <a:lstStyle/>
-            <a:p>
-              <a:pPr algn="ctr"/>
-              <a:r>
-                <a:rPr lang="sr-Cyrl-RS" sz="4800" b="1" dirty="0">
-                  <a:solidFill>
-                    <a:srgbClr val="F7EBE8">
-                      <a:alpha val="24000"/>
-                    </a:srgbClr>
-                  </a:solidFill>
-                  <a:latin typeface="IBM Plex Sans SemiBold" panose="020B0703050203000203" pitchFamily="34" charset="0"/>
-                </a:rPr>
-                <a:t>РАГАБ</a:t>
-              </a:r>
-              <a:endParaRPr lang="en-US" sz="4800" b="1" dirty="0">
-                <a:solidFill>
-                  <a:srgbClr val="F7EBE8">
-                    <a:alpha val="24000"/>
-                  </a:srgbClr>
-                </a:solidFill>
-                <a:latin typeface="IBM Plex Sans SemiBold" panose="020B0703050203000203" pitchFamily="34" charset="0"/>
-              </a:endParaRPr>
-            </a:p>
-          </p:txBody>
-        </p:sp>
-        <p:sp>
-          <p:nvSpPr>
-            <p:cNvPr id="28" name="TextBox 27">
-              <a:extLst>
-                <a:ext uri="{FF2B5EF4-FFF2-40B4-BE49-F238E27FC236}">
-                  <a16:creationId xmlns:a16="http://schemas.microsoft.com/office/drawing/2014/main" id="{2C74C8FE-6A22-5035-FAC2-81AB9A37F59B}"/>
-                </a:ext>
-              </a:extLst>
-            </p:cNvPr>
-            <p:cNvSpPr txBox="1"/>
-            <p:nvPr/>
-          </p:nvSpPr>
-          <p:spPr>
-            <a:xfrm>
-              <a:off x="8474243" y="762900"/>
-              <a:ext cx="1118255" cy="5345886"/>
-            </a:xfrm>
-            <a:prstGeom prst="rect">
-              <a:avLst/>
-            </a:prstGeom>
-            <a:noFill/>
-          </p:spPr>
-          <p:txBody>
-            <a:bodyPr vert="wordArtVert" wrap="square" rtlCol="0">
-              <a:spAutoFit/>
-            </a:bodyPr>
-            <a:lstStyle/>
-            <a:p>
-              <a:pPr algn="ctr"/>
-              <a:r>
-                <a:rPr lang="sr-Cyrl-RS" sz="4800" b="1" dirty="0">
-                  <a:solidFill>
-                    <a:srgbClr val="F7EBE8">
-                      <a:alpha val="24000"/>
-                    </a:srgbClr>
-                  </a:solidFill>
-                  <a:latin typeface="IBM Plex Sans SemiBold" panose="020B0703050203000203" pitchFamily="34" charset="0"/>
-                </a:rPr>
-                <a:t>АГАБР</a:t>
-              </a:r>
-              <a:endParaRPr lang="en-US" sz="4800" b="1" dirty="0">
-                <a:solidFill>
-                  <a:srgbClr val="F7EBE8">
-                    <a:alpha val="24000"/>
-                  </a:srgbClr>
-                </a:solidFill>
-                <a:latin typeface="IBM Plex Sans SemiBold" panose="020B0703050203000203" pitchFamily="34" charset="0"/>
-              </a:endParaRPr>
-            </a:p>
-          </p:txBody>
-        </p:sp>
-        <p:sp>
-          <p:nvSpPr>
-            <p:cNvPr id="29" name="TextBox 28">
-              <a:extLst>
-                <a:ext uri="{FF2B5EF4-FFF2-40B4-BE49-F238E27FC236}">
-                  <a16:creationId xmlns:a16="http://schemas.microsoft.com/office/drawing/2014/main" id="{6764E651-CC12-2F81-24B7-AE4E3B785A35}"/>
-                </a:ext>
-              </a:extLst>
-            </p:cNvPr>
-            <p:cNvSpPr txBox="1"/>
-            <p:nvPr/>
-          </p:nvSpPr>
-          <p:spPr>
-            <a:xfrm>
-              <a:off x="9439832" y="756048"/>
-              <a:ext cx="1118255" cy="5345886"/>
-            </a:xfrm>
-            <a:prstGeom prst="rect">
-              <a:avLst/>
-            </a:prstGeom>
-            <a:noFill/>
-          </p:spPr>
-          <p:txBody>
-            <a:bodyPr vert="wordArtVert" wrap="square" rtlCol="0">
-              <a:spAutoFit/>
-            </a:bodyPr>
-            <a:lstStyle/>
-            <a:p>
-              <a:pPr algn="ctr"/>
-              <a:r>
-                <a:rPr lang="sr-Cyrl-RS" sz="4800" b="1" dirty="0">
-                  <a:solidFill>
-                    <a:srgbClr val="F7EBE8">
-                      <a:alpha val="24000"/>
-                    </a:srgbClr>
-                  </a:solidFill>
-                  <a:latin typeface="IBM Plex Sans SemiBold" panose="020B0703050203000203" pitchFamily="34" charset="0"/>
-                </a:rPr>
-                <a:t>ГАБРА</a:t>
-              </a:r>
-              <a:endParaRPr lang="en-US" sz="4800" b="1" dirty="0">
-                <a:solidFill>
-                  <a:srgbClr val="F7EBE8">
-                    <a:alpha val="24000"/>
-                  </a:srgbClr>
-                </a:solidFill>
-                <a:latin typeface="IBM Plex Sans SemiBold" panose="020B0703050203000203" pitchFamily="34" charset="0"/>
-              </a:endParaRPr>
-            </a:p>
-          </p:txBody>
-        </p:sp>
-        <p:sp>
-          <p:nvSpPr>
-            <p:cNvPr id="30" name="TextBox 29">
-              <a:extLst>
-                <a:ext uri="{FF2B5EF4-FFF2-40B4-BE49-F238E27FC236}">
-                  <a16:creationId xmlns:a16="http://schemas.microsoft.com/office/drawing/2014/main" id="{039E36E8-5ABE-DEBD-D01C-FD2436B60489}"/>
-                </a:ext>
-              </a:extLst>
-            </p:cNvPr>
-            <p:cNvSpPr txBox="1"/>
-            <p:nvPr/>
-          </p:nvSpPr>
-          <p:spPr>
-            <a:xfrm>
-              <a:off x="6543067" y="756048"/>
-              <a:ext cx="1118255" cy="5345886"/>
-            </a:xfrm>
-            <a:prstGeom prst="rect">
-              <a:avLst/>
-            </a:prstGeom>
-            <a:noFill/>
-          </p:spPr>
-          <p:txBody>
-            <a:bodyPr vert="wordArtVert" wrap="square" rtlCol="0">
-              <a:spAutoFit/>
-            </a:bodyPr>
-            <a:lstStyle/>
-            <a:p>
-              <a:pPr algn="ctr"/>
-              <a:r>
-                <a:rPr lang="sr-Cyrl-RS" sz="4800" b="1" dirty="0">
-                  <a:solidFill>
-                    <a:srgbClr val="8BB174"/>
-                  </a:solidFill>
-                  <a:latin typeface="IBM Plex Sans SemiBold" panose="020B0703050203000203" pitchFamily="34" charset="0"/>
-                </a:rPr>
-                <a:t>БРАГА</a:t>
-              </a:r>
-              <a:endParaRPr lang="en-US" sz="4800" b="1" dirty="0">
-                <a:solidFill>
-                  <a:srgbClr val="8BB174"/>
-                </a:solidFill>
-                <a:latin typeface="IBM Plex Sans SemiBold" panose="020B0703050203000203" pitchFamily="34" charset="0"/>
-              </a:endParaRPr>
-            </a:p>
-          </p:txBody>
-        </p:sp>
-        <p:sp>
-          <p:nvSpPr>
-            <p:cNvPr id="32" name="TextBox 31">
-              <a:extLst>
-                <a:ext uri="{FF2B5EF4-FFF2-40B4-BE49-F238E27FC236}">
-                  <a16:creationId xmlns:a16="http://schemas.microsoft.com/office/drawing/2014/main" id="{BF94ECDD-D0FD-FF92-BE4F-328DB535A014}"/>
-                </a:ext>
-              </a:extLst>
-            </p:cNvPr>
-            <p:cNvSpPr txBox="1"/>
-            <p:nvPr/>
-          </p:nvSpPr>
-          <p:spPr>
-            <a:xfrm>
-              <a:off x="10405421" y="756048"/>
-              <a:ext cx="1118255" cy="5345886"/>
-            </a:xfrm>
-            <a:prstGeom prst="rect">
-              <a:avLst/>
-            </a:prstGeom>
-            <a:noFill/>
-          </p:spPr>
-          <p:txBody>
-            <a:bodyPr vert="wordArtVert" wrap="square" rtlCol="0">
-              <a:spAutoFit/>
-            </a:bodyPr>
-            <a:lstStyle/>
-            <a:p>
-              <a:pPr algn="ctr"/>
-              <a:r>
-                <a:rPr lang="sr-Cyrl-RS" sz="4800" b="1" dirty="0">
-                  <a:solidFill>
-                    <a:srgbClr val="F7EBE8">
-                      <a:alpha val="24000"/>
-                    </a:srgbClr>
-                  </a:solidFill>
-                  <a:latin typeface="IBM Plex Sans SemiBold" panose="020B0703050203000203" pitchFamily="34" charset="0"/>
-                </a:rPr>
-                <a:t>АБРАГ</a:t>
-              </a:r>
-              <a:endParaRPr lang="en-US" sz="4800" b="1" dirty="0">
-                <a:solidFill>
-                  <a:srgbClr val="F7EBE8">
-                    <a:alpha val="24000"/>
-                  </a:srgbClr>
-                </a:solidFill>
-                <a:latin typeface="IBM Plex Sans SemiBold" panose="020B0703050203000203" pitchFamily="34" charset="0"/>
-              </a:endParaRPr>
-            </a:p>
-          </p:txBody>
-        </p:sp>
-      </p:grpSp>
-      <p:pic>
-        <p:nvPicPr>
-          <p:cNvPr id="1026" name="Picture 2" descr="Self-guided tour of Braga | SmartGuide">
-            <a:extLst>
-              <a:ext uri="{FF2B5EF4-FFF2-40B4-BE49-F238E27FC236}">
-                <a16:creationId xmlns:a16="http://schemas.microsoft.com/office/drawing/2014/main" id="{73545F4F-4A4E-8416-A9E3-EC0723E879B5}"/>
-              </a:ext>
-            </a:extLst>
-          </p:cNvPr>
-          <p:cNvPicPr>
-            <a:picLocks noChangeAspect="1" noChangeArrowheads="1"/>
-          </p:cNvPicPr>
-          <p:nvPr/>
-        </p:nvPicPr>
-        <p:blipFill rotWithShape="1">
-          <a:blip r:embed="rId4">
-            <a:duotone>
-              <a:prstClr val="black"/>
-              <a:srgbClr val="EE6055">
-                <a:tint val="45000"/>
-                <a:satMod val="400000"/>
-              </a:srgbClr>
-            </a:duotone>
-            <a:extLst>
-              <a:ext uri="{28A0092B-C50C-407E-A947-70E740481C1C}">
-                <a14:useLocalDpi xmlns:a14="http://schemas.microsoft.com/office/drawing/2010/main" val="0"/>
-              </a:ext>
-            </a:extLst>
-          </a:blip>
-          <a:srcRect l="39478" t="608" r="40092" b="12474"/>
-          <a:stretch/>
-        </p:blipFill>
-        <p:spPr bwMode="auto">
-          <a:xfrm>
-            <a:off x="1004736" y="3"/>
-            <a:ext cx="1634040" cy="6857997"/>
-          </a:xfrm>
-          <a:prstGeom prst="rect">
-            <a:avLst/>
-          </a:prstGeom>
-          <a:noFill/>
-          <a:extLst>
-            <a:ext uri="{909E8E84-426E-40DD-AFC4-6F175D3DCCD1}">
-              <a14:hiddenFill xmlns:a14="http://schemas.microsoft.com/office/drawing/2010/main">
-                <a:solidFill>
-                  <a:srgbClr val="FFFFFF"/>
-                </a:solidFill>
-              </a14:hiddenFill>
-            </a:ext>
-          </a:extLst>
-        </p:spPr>
-      </p:pic>
-    </p:spTree>
-    <p:extLst>
-      <p:ext uri="{BB962C8B-B14F-4D97-AF65-F5344CB8AC3E}">
-        <p14:creationId xmlns:p14="http://schemas.microsoft.com/office/powerpoint/2010/main" val="2593020509"/>
-      </p:ext>
-    </p:extLst>
-  </p:cSld>
-  <p:clrMapOvr>
-    <a:masterClrMapping/>
-  </p:clrMapOvr>
-</p:sld>
-</file>
-
 <file path=ppt/theme/theme1.xml><?xml version="1.0" encoding="utf-8"?>
 <a:theme xmlns:a="http://schemas.openxmlformats.org/drawingml/2006/main" name="Office Theme">
   <a:themeElements>
